--- a/bash/slides/ppt/03 - Bash Scripting.pptx
+++ b/bash/slides/ppt/03 - Bash Scripting.pptx
@@ -252,7 +252,7 @@
             <a:fld id="{BAEB7694-8561-4BE2-948D-EDF7A201F8BB}" type="datetimeFigureOut">
               <a:rPr lang="it-IT" smtClean="0"/>
               <a:pPr/>
-              <a:t>23/04/20</a:t>
+              <a:t>01/04/21</a:t>
             </a:fld>
             <a:endParaRPr lang="it-IT"/>
           </a:p>
@@ -25086,7 +25086,7 @@
           <a:p>
             <a:r>
               <a:rPr lang="it-IT" dirty="0"/>
-              <a:t>Costrutti di controllo</a:t>
+              <a:t>Costrutti condizionali</a:t>
             </a:r>
           </a:p>
         </p:txBody>
